--- a/R/スライド/第36回.pptx
+++ b/R/スライド/第36回.pptx
@@ -118,14 +118,6 @@
     </p:ext>
   </p:extLst>
 </p:presentation>
-</file>
-
-<file path=ppt/revisionInfo.xml><?xml version="1.0" encoding="utf-8"?>
-<p1510:revInfo xmlns:a="http://schemas.openxmlformats.org/drawingml/2006/main" xmlns:r="http://schemas.openxmlformats.org/officeDocument/2006/relationships" xmlns:p1510="http://schemas.microsoft.com/office/powerpoint/2015/10/main">
-  <p1510:revLst>
-    <p1510:client id="{1780F885-070D-3D48-910B-DE0CB6E10D95}" v="50" dt="2022-05-05T14:03:39.253"/>
-  </p1510:revLst>
-</p1510:revInfo>
 </file>
 
 <file path=ppt/changesInfos/changesInfo1.xml><?xml version="1.0" encoding="utf-8"?>
@@ -931,6 +923,62 @@
       </pc:sldChg>
     </pc:docChg>
   </pc:docChgLst>
+  <pc:docChgLst>
+    <pc:chgData name="Shin Fukui" userId="6902ee70c48ce296" providerId="LiveId" clId="{93E9B464-776A-7D4B-8E62-B49BD92110EA}"/>
+    <pc:docChg chg="undo custSel modSld">
+      <pc:chgData name="Shin Fukui" userId="6902ee70c48ce296" providerId="LiveId" clId="{93E9B464-776A-7D4B-8E62-B49BD92110EA}" dt="2023-11-05T16:02:55.501" v="149" actId="1076"/>
+      <pc:docMkLst>
+        <pc:docMk/>
+      </pc:docMkLst>
+      <pc:sldChg chg="modSp mod">
+        <pc:chgData name="Shin Fukui" userId="6902ee70c48ce296" providerId="LiveId" clId="{93E9B464-776A-7D4B-8E62-B49BD92110EA}" dt="2023-11-05T16:02:55.501" v="149" actId="1076"/>
+        <pc:sldMkLst>
+          <pc:docMk/>
+          <pc:sldMk cId="3614119831" sldId="265"/>
+        </pc:sldMkLst>
+        <pc:spChg chg="mod">
+          <ac:chgData name="Shin Fukui" userId="6902ee70c48ce296" providerId="LiveId" clId="{93E9B464-776A-7D4B-8E62-B49BD92110EA}" dt="2023-11-05T15:59:30.362" v="34" actId="20577"/>
+          <ac:spMkLst>
+            <pc:docMk/>
+            <pc:sldMk cId="3614119831" sldId="265"/>
+            <ac:spMk id="8" creationId="{BACC7FD3-6E37-2ECA-C259-00A95E71214F}"/>
+          </ac:spMkLst>
+        </pc:spChg>
+        <pc:spChg chg="mod">
+          <ac:chgData name="Shin Fukui" userId="6902ee70c48ce296" providerId="LiveId" clId="{93E9B464-776A-7D4B-8E62-B49BD92110EA}" dt="2023-11-05T16:02:37.052" v="132" actId="1076"/>
+          <ac:spMkLst>
+            <pc:docMk/>
+            <pc:sldMk cId="3614119831" sldId="265"/>
+            <ac:spMk id="48" creationId="{76C16FDB-98C9-928F-E25C-C4CC2B1753CC}"/>
+          </ac:spMkLst>
+        </pc:spChg>
+        <pc:spChg chg="mod">
+          <ac:chgData name="Shin Fukui" userId="6902ee70c48ce296" providerId="LiveId" clId="{93E9B464-776A-7D4B-8E62-B49BD92110EA}" dt="2023-11-05T16:02:55.501" v="149" actId="1076"/>
+          <ac:spMkLst>
+            <pc:docMk/>
+            <pc:sldMk cId="3614119831" sldId="265"/>
+            <ac:spMk id="50" creationId="{D2A4DDDB-B8BD-618C-99D2-6E5D9335448D}"/>
+          </ac:spMkLst>
+        </pc:spChg>
+        <pc:spChg chg="mod">
+          <ac:chgData name="Shin Fukui" userId="6902ee70c48ce296" providerId="LiveId" clId="{93E9B464-776A-7D4B-8E62-B49BD92110EA}" dt="2023-11-05T16:02:05.258" v="112" actId="1076"/>
+          <ac:spMkLst>
+            <pc:docMk/>
+            <pc:sldMk cId="3614119831" sldId="265"/>
+            <ac:spMk id="51" creationId="{7208963A-4433-D345-BC53-25D89355AFC2}"/>
+          </ac:spMkLst>
+        </pc:spChg>
+        <pc:spChg chg="mod">
+          <ac:chgData name="Shin Fukui" userId="6902ee70c48ce296" providerId="LiveId" clId="{93E9B464-776A-7D4B-8E62-B49BD92110EA}" dt="2023-11-05T15:59:56.065" v="81" actId="20577"/>
+          <ac:spMkLst>
+            <pc:docMk/>
+            <pc:sldMk cId="3614119831" sldId="265"/>
+            <ac:spMk id="65" creationId="{93F8136A-EB53-509A-361E-4D070D053366}"/>
+          </ac:spMkLst>
+        </pc:spChg>
+      </pc:sldChg>
+    </pc:docChg>
+  </pc:docChgLst>
 </pc:chgInfo>
 </file>
 
@@ -1081,7 +1129,7 @@
           <a:p>
             <a:fld id="{E8312FF4-FC21-C745-8C28-F5DA23327974}" type="datetimeFigureOut">
               <a:rPr kumimoji="1" lang="ja-JP" altLang="en-US" smtClean="0"/>
-              <a:t>2023/9/21</a:t>
+              <a:t>2023/11/5</a:t>
             </a:fld>
             <a:endParaRPr kumimoji="1" lang="ja-JP" altLang="en-US"/>
           </a:p>
@@ -1311,7 +1359,7 @@
           <a:p>
             <a:fld id="{E8312FF4-FC21-C745-8C28-F5DA23327974}" type="datetimeFigureOut">
               <a:rPr kumimoji="1" lang="ja-JP" altLang="en-US" smtClean="0"/>
-              <a:t>2023/9/21</a:t>
+              <a:t>2023/11/5</a:t>
             </a:fld>
             <a:endParaRPr kumimoji="1" lang="ja-JP" altLang="en-US"/>
           </a:p>
@@ -1551,7 +1599,7 @@
           <a:p>
             <a:fld id="{E8312FF4-FC21-C745-8C28-F5DA23327974}" type="datetimeFigureOut">
               <a:rPr kumimoji="1" lang="ja-JP" altLang="en-US" smtClean="0"/>
-              <a:t>2023/9/21</a:t>
+              <a:t>2023/11/5</a:t>
             </a:fld>
             <a:endParaRPr kumimoji="1" lang="ja-JP" altLang="en-US"/>
           </a:p>
@@ -1781,7 +1829,7 @@
           <a:p>
             <a:fld id="{E8312FF4-FC21-C745-8C28-F5DA23327974}" type="datetimeFigureOut">
               <a:rPr kumimoji="1" lang="ja-JP" altLang="en-US" smtClean="0"/>
-              <a:t>2023/9/21</a:t>
+              <a:t>2023/11/5</a:t>
             </a:fld>
             <a:endParaRPr kumimoji="1" lang="ja-JP" altLang="en-US"/>
           </a:p>
@@ -2056,7 +2104,7 @@
           <a:p>
             <a:fld id="{E8312FF4-FC21-C745-8C28-F5DA23327974}" type="datetimeFigureOut">
               <a:rPr kumimoji="1" lang="ja-JP" altLang="en-US" smtClean="0"/>
-              <a:t>2023/9/21</a:t>
+              <a:t>2023/11/5</a:t>
             </a:fld>
             <a:endParaRPr kumimoji="1" lang="ja-JP" altLang="en-US"/>
           </a:p>
@@ -2385,7 +2433,7 @@
           <a:p>
             <a:fld id="{E8312FF4-FC21-C745-8C28-F5DA23327974}" type="datetimeFigureOut">
               <a:rPr kumimoji="1" lang="ja-JP" altLang="en-US" smtClean="0"/>
-              <a:t>2023/9/21</a:t>
+              <a:t>2023/11/5</a:t>
             </a:fld>
             <a:endParaRPr kumimoji="1" lang="ja-JP" altLang="en-US"/>
           </a:p>
@@ -2861,7 +2909,7 @@
           <a:p>
             <a:fld id="{E8312FF4-FC21-C745-8C28-F5DA23327974}" type="datetimeFigureOut">
               <a:rPr kumimoji="1" lang="ja-JP" altLang="en-US" smtClean="0"/>
-              <a:t>2023/9/21</a:t>
+              <a:t>2023/11/5</a:t>
             </a:fld>
             <a:endParaRPr kumimoji="1" lang="ja-JP" altLang="en-US"/>
           </a:p>
@@ -3002,7 +3050,7 @@
           <a:p>
             <a:fld id="{E8312FF4-FC21-C745-8C28-F5DA23327974}" type="datetimeFigureOut">
               <a:rPr kumimoji="1" lang="ja-JP" altLang="en-US" smtClean="0"/>
-              <a:t>2023/9/21</a:t>
+              <a:t>2023/11/5</a:t>
             </a:fld>
             <a:endParaRPr kumimoji="1" lang="ja-JP" altLang="en-US"/>
           </a:p>
@@ -3115,7 +3163,7 @@
           <a:p>
             <a:fld id="{E8312FF4-FC21-C745-8C28-F5DA23327974}" type="datetimeFigureOut">
               <a:rPr kumimoji="1" lang="ja-JP" altLang="en-US" smtClean="0"/>
-              <a:t>2023/9/21</a:t>
+              <a:t>2023/11/5</a:t>
             </a:fld>
             <a:endParaRPr kumimoji="1" lang="ja-JP" altLang="en-US"/>
           </a:p>
@@ -3458,7 +3506,7 @@
           <a:p>
             <a:fld id="{E8312FF4-FC21-C745-8C28-F5DA23327974}" type="datetimeFigureOut">
               <a:rPr kumimoji="1" lang="ja-JP" altLang="en-US" smtClean="0"/>
-              <a:t>2023/9/21</a:t>
+              <a:t>2023/11/5</a:t>
             </a:fld>
             <a:endParaRPr kumimoji="1" lang="ja-JP" altLang="en-US"/>
           </a:p>
@@ -3746,7 +3794,7 @@
           <a:p>
             <a:fld id="{E8312FF4-FC21-C745-8C28-F5DA23327974}" type="datetimeFigureOut">
               <a:rPr kumimoji="1" lang="ja-JP" altLang="en-US" smtClean="0"/>
-              <a:t>2023/9/21</a:t>
+              <a:t>2023/11/5</a:t>
             </a:fld>
             <a:endParaRPr kumimoji="1" lang="ja-JP" altLang="en-US"/>
           </a:p>
@@ -4019,7 +4067,7 @@
           <a:p>
             <a:fld id="{E8312FF4-FC21-C745-8C28-F5DA23327974}" type="datetimeFigureOut">
               <a:rPr kumimoji="1" lang="ja-JP" altLang="en-US" smtClean="0"/>
-              <a:t>2023/9/21</a:t>
+              <a:t>2023/11/5</a:t>
             </a:fld>
             <a:endParaRPr kumimoji="1" lang="ja-JP" altLang="en-US"/>
           </a:p>
@@ -10908,8 +10956,8 @@
         </p:nvSpPr>
         <p:spPr>
           <a:xfrm>
-            <a:off x="1341024" y="6183969"/>
-            <a:ext cx="2031325" cy="369332"/>
+            <a:off x="924175" y="6203550"/>
+            <a:ext cx="2723823" cy="646331"/>
           </a:xfrm>
           <a:prstGeom prst="rect">
             <a:avLst/>
@@ -10924,7 +10972,14 @@
           <a:p>
             <a:r>
               <a:rPr lang="ja-JP" altLang="en-US"/>
-              <a:t>グループ間の距離</a:t>
+              <a:t>クラスターの重心間距離</a:t>
+            </a:r>
+            <a:endParaRPr lang="en-US" altLang="ja-JP" dirty="0"/>
+          </a:p>
+          <a:p>
+            <a:r>
+              <a:rPr lang="ja-JP" altLang="en-US"/>
+              <a:t>／グループ間の距離</a:t>
             </a:r>
             <a:endParaRPr lang="en-US" altLang="ja-JP" dirty="0"/>
           </a:p>
@@ -11081,7 +11136,7 @@
         <p:spPr>
           <a:xfrm>
             <a:off x="1554142" y="4071803"/>
-            <a:ext cx="1338828" cy="369332"/>
+            <a:ext cx="2262158" cy="369332"/>
           </a:xfrm>
           <a:prstGeom prst="rect">
             <a:avLst/>
@@ -11096,7 +11151,7 @@
           <a:p>
             <a:r>
               <a:rPr lang="ja-JP" altLang="en-US"/>
-              <a:t>ウォード法</a:t>
+              <a:t>重心法／ウォード法</a:t>
             </a:r>
             <a:endParaRPr kumimoji="1" lang="ja-JP" altLang="en-US"/>
           </a:p>
@@ -11116,8 +11171,8 @@
         </p:nvSpPr>
         <p:spPr>
           <a:xfrm>
-            <a:off x="4171960" y="4081040"/>
-            <a:ext cx="1107996" cy="369332"/>
+            <a:off x="3885138" y="4070558"/>
+            <a:ext cx="2210862" cy="369332"/>
           </a:xfrm>
           <a:prstGeom prst="rect">
             <a:avLst/>
@@ -11132,7 +11187,23 @@
           <a:p>
             <a:r>
               <a:rPr lang="ja-JP" altLang="en-US"/>
-              <a:t>単連結法</a:t>
+              <a:t>最短距離</a:t>
+            </a:r>
+            <a:r>
+              <a:rPr lang="en-US" altLang="ja-JP" dirty="0"/>
+              <a:t>(</a:t>
+            </a:r>
+            <a:r>
+              <a:rPr lang="ja-JP" altLang="en-US"/>
+              <a:t>単連結</a:t>
+            </a:r>
+            <a:r>
+              <a:rPr lang="en-US" altLang="ja-JP" dirty="0"/>
+              <a:t>)</a:t>
+            </a:r>
+            <a:r>
+              <a:rPr lang="ja-JP" altLang="en-US"/>
+              <a:t>法</a:t>
             </a:r>
             <a:endParaRPr kumimoji="1" lang="ja-JP" altLang="en-US"/>
           </a:p>
@@ -11152,8 +11223,8 @@
         </p:nvSpPr>
         <p:spPr>
           <a:xfrm>
-            <a:off x="6311085" y="4078240"/>
-            <a:ext cx="1338828" cy="369332"/>
+            <a:off x="6119603" y="4088269"/>
+            <a:ext cx="2441694" cy="369332"/>
           </a:xfrm>
           <a:prstGeom prst="rect">
             <a:avLst/>
@@ -11168,7 +11239,23 @@
           <a:p>
             <a:r>
               <a:rPr lang="ja-JP" altLang="en-US"/>
-              <a:t>完全連結法</a:t>
+              <a:t>最長距離</a:t>
+            </a:r>
+            <a:r>
+              <a:rPr lang="en-US" altLang="ja-JP" dirty="0"/>
+              <a:t>(</a:t>
+            </a:r>
+            <a:r>
+              <a:rPr lang="ja-JP" altLang="en-US"/>
+              <a:t>完全連結</a:t>
+            </a:r>
+            <a:r>
+              <a:rPr lang="en-US" altLang="ja-JP" dirty="0"/>
+              <a:t>)</a:t>
+            </a:r>
+            <a:r>
+              <a:rPr lang="ja-JP" altLang="en-US"/>
+              <a:t>法</a:t>
             </a:r>
             <a:endParaRPr kumimoji="1" lang="ja-JP" altLang="en-US"/>
           </a:p>
@@ -11188,8 +11275,8 @@
         </p:nvSpPr>
         <p:spPr>
           <a:xfrm>
-            <a:off x="8800537" y="4071803"/>
-            <a:ext cx="1569660" cy="369332"/>
+            <a:off x="8631489" y="4078466"/>
+            <a:ext cx="2441694" cy="369332"/>
           </a:xfrm>
           <a:prstGeom prst="rect">
             <a:avLst/>
@@ -11204,7 +11291,23 @@
           <a:p>
             <a:r>
               <a:rPr lang="ja-JP" altLang="en-US"/>
-              <a:t>平均化連結法</a:t>
+              <a:t>群平均</a:t>
+            </a:r>
+            <a:r>
+              <a:rPr lang="en-US" altLang="ja-JP" dirty="0"/>
+              <a:t>(</a:t>
+            </a:r>
+            <a:r>
+              <a:rPr lang="ja-JP" altLang="en-US"/>
+              <a:t>平均化連結</a:t>
+            </a:r>
+            <a:r>
+              <a:rPr lang="en-US" altLang="ja-JP" dirty="0"/>
+              <a:t>)</a:t>
+            </a:r>
+            <a:r>
+              <a:rPr lang="ja-JP" altLang="en-US"/>
+              <a:t>法</a:t>
             </a:r>
             <a:endParaRPr kumimoji="1" lang="ja-JP" altLang="en-US"/>
           </a:p>
